--- a/Team 35. JDBC/jdbc.pptx
+++ b/Team 35. JDBC/jdbc.pptx
@@ -5097,13 +5097,7 @@
               <a:rPr lang="ru-RU" sz="1583" dirty="0" smtClean="0">
                 <a:latin typeface="Corbel" panose="020B0503020204020204" pitchFamily="34" charset="0"/>
               </a:rPr>
-              <a:t>В результате, з</a:t>
-            </a:r>
-            <a:r>
-              <a:rPr lang="ru-RU" sz="1583" dirty="0" smtClean="0">
-                <a:latin typeface="Corbel" panose="020B0503020204020204" pitchFamily="34" charset="0"/>
-              </a:rPr>
-              <a:t>аказ </a:t>
+              <a:t>В результате, заказ </a:t>
             </a:r>
             <a:r>
               <a:rPr lang="ru-RU" sz="1583" dirty="0">
@@ -6034,18 +6028,7 @@
                 </a:solidFill>
                 <a:latin typeface="Corbel" panose="020B0503020204020204" pitchFamily="34" charset="0"/>
               </a:rPr>
-              <a:t>Рекомендация</a:t>
-            </a:r>
-            <a:r>
-              <a:rPr lang="ru-RU" sz="1500" b="1" dirty="0" smtClean="0">
-                <a:solidFill>
-                  <a:schemeClr val="accent4">
-                    <a:lumMod val="75000"/>
-                  </a:schemeClr>
-                </a:solidFill>
-                <a:latin typeface="Corbel" panose="020B0503020204020204" pitchFamily="34" charset="0"/>
-              </a:rPr>
-              <a:t> </a:t>
+              <a:t>Рекомендация </a:t>
             </a:r>
             <a:r>
               <a:rPr lang="ru-RU" sz="1500" b="1" dirty="0">
@@ -6220,18 +6203,7 @@
                 </a:solidFill>
                 <a:latin typeface="Corbel" panose="020B0503020204020204" pitchFamily="34" charset="0"/>
               </a:rPr>
-              <a:t>Рекомендация </a:t>
-            </a:r>
-            <a:r>
-              <a:rPr lang="ru-RU" sz="1500" b="1" dirty="0">
-                <a:solidFill>
-                  <a:schemeClr val="accent4">
-                    <a:lumMod val="75000"/>
-                  </a:schemeClr>
-                </a:solidFill>
-                <a:latin typeface="Corbel" panose="020B0503020204020204" pitchFamily="34" charset="0"/>
-              </a:rPr>
-              <a:t>2 — </a:t>
+              <a:t>Рекомендация 2 — </a:t>
             </a:r>
             <a:r>
               <a:rPr lang="en-US" sz="1500" b="1" dirty="0">
@@ -6631,18 +6603,7 @@
                 </a:solidFill>
                 <a:latin typeface="Corbel" panose="020B0503020204020204" pitchFamily="34" charset="0"/>
               </a:rPr>
-              <a:t>Рекомендация </a:t>
-            </a:r>
-            <a:r>
-              <a:rPr lang="ru-RU" sz="1500" b="1" dirty="0">
-                <a:solidFill>
-                  <a:schemeClr val="accent4">
-                    <a:lumMod val="75000"/>
-                  </a:schemeClr>
-                </a:solidFill>
-                <a:latin typeface="Corbel" panose="020B0503020204020204" pitchFamily="34" charset="0"/>
-              </a:rPr>
-              <a:t>3 — </a:t>
+              <a:t>Рекомендация 3 — </a:t>
             </a:r>
             <a:r>
               <a:rPr lang="en-US" sz="1500" b="1" dirty="0">
@@ -6927,18 +6888,7 @@
                 </a:solidFill>
                 <a:latin typeface="Corbel" panose="020B0503020204020204" pitchFamily="34" charset="0"/>
               </a:rPr>
-              <a:t>Рекомендация </a:t>
-            </a:r>
-            <a:r>
-              <a:rPr lang="ru-RU" sz="1500" b="1" dirty="0">
-                <a:solidFill>
-                  <a:schemeClr val="accent4">
-                    <a:lumMod val="75000"/>
-                  </a:schemeClr>
-                </a:solidFill>
-                <a:latin typeface="Corbel" panose="020B0503020204020204" pitchFamily="34" charset="0"/>
-              </a:rPr>
-              <a:t>4 — </a:t>
+              <a:t>Рекомендация 4 — </a:t>
             </a:r>
             <a:r>
               <a:rPr lang="en-US" sz="1500" b="1" dirty="0">
@@ -7066,18 +7016,7 @@
                 </a:solidFill>
                 <a:latin typeface="Corbel" panose="020B0503020204020204" pitchFamily="34" charset="0"/>
               </a:rPr>
-              <a:t>Рекомендация </a:t>
-            </a:r>
-            <a:r>
-              <a:rPr lang="ru-RU" sz="1500" b="1" dirty="0">
-                <a:solidFill>
-                  <a:schemeClr val="accent4">
-                    <a:lumMod val="75000"/>
-                  </a:schemeClr>
-                </a:solidFill>
-                <a:latin typeface="Corbel" panose="020B0503020204020204" pitchFamily="34" charset="0"/>
-              </a:rPr>
-              <a:t>5 — Логирование.</a:t>
+              <a:t>Рекомендация 5 — Логирование.</a:t>
             </a:r>
           </a:p>
         </p:txBody>
@@ -7242,18 +7181,7 @@
                 </a:solidFill>
                 <a:latin typeface="Corbel" panose="020B0503020204020204" pitchFamily="34" charset="0"/>
               </a:rPr>
-              <a:t>Рекомендация </a:t>
-            </a:r>
-            <a:r>
-              <a:rPr lang="ru-RU" sz="1500" b="1" dirty="0">
-                <a:solidFill>
-                  <a:schemeClr val="accent4">
-                    <a:lumMod val="75000"/>
-                  </a:schemeClr>
-                </a:solidFill>
-                <a:latin typeface="Corbel" panose="020B0503020204020204" pitchFamily="34" charset="0"/>
-              </a:rPr>
-              <a:t>6 — Правильная обработка исключений.</a:t>
+              <a:t>Рекомендация 6 — Правильная обработка исключений.</a:t>
             </a:r>
           </a:p>
         </p:txBody>
@@ -7633,18 +7561,7 @@
                 </a:solidFill>
                 <a:latin typeface="Corbel" panose="020B0503020204020204" pitchFamily="34" charset="0"/>
               </a:rPr>
-              <a:t>Рекомендация </a:t>
-            </a:r>
-            <a:r>
-              <a:rPr lang="ru-RU" sz="1500" b="1" dirty="0">
-                <a:solidFill>
-                  <a:schemeClr val="accent4">
-                    <a:lumMod val="75000"/>
-                  </a:schemeClr>
-                </a:solidFill>
-                <a:latin typeface="Corbel" panose="020B0503020204020204" pitchFamily="34" charset="0"/>
-              </a:rPr>
-              <a:t>7 — </a:t>
+              <a:t>Рекомендация 7 — </a:t>
             </a:r>
             <a:r>
               <a:rPr lang="en-US" sz="1500" b="1" dirty="0">
@@ -8019,18 +7936,7 @@
                 </a:solidFill>
                 <a:latin typeface="Corbel" panose="020B0503020204020204" pitchFamily="34" charset="0"/>
               </a:rPr>
-              <a:t>Рекомендация </a:t>
-            </a:r>
-            <a:r>
-              <a:rPr lang="ru-RU" sz="1500" b="1" dirty="0">
-                <a:solidFill>
-                  <a:schemeClr val="accent4">
-                    <a:lumMod val="75000"/>
-                  </a:schemeClr>
-                </a:solidFill>
-                <a:latin typeface="Corbel" panose="020B0503020204020204" pitchFamily="34" charset="0"/>
-              </a:rPr>
-              <a:t>8 — Индексы.</a:t>
+              <a:t>Рекомендация 8 — Индексы.</a:t>
             </a:r>
           </a:p>
         </p:txBody>
@@ -8841,166 +8747,6 @@
       </p:sp>
       <p:sp>
         <p:nvSpPr>
-          <p:cNvPr id="8" name="TextBox 7">
-            <a:extLst>
-              <a:ext uri="{FF2B5EF4-FFF2-40B4-BE49-F238E27FC236}">
-                <a16:creationId xmlns:a16="http://schemas.microsoft.com/office/drawing/2014/main" id="{A35DF238-B7E5-D4C3-0D87-48BD53824459}"/>
-              </a:ext>
-            </a:extLst>
-          </p:cNvPr>
-          <p:cNvSpPr txBox="1"/>
-          <p:nvPr/>
-        </p:nvSpPr>
-        <p:spPr>
-          <a:xfrm>
-            <a:off x="3048000" y="4029388"/>
-            <a:ext cx="6096000" cy="1379101"/>
-          </a:xfrm>
-          <a:prstGeom prst="roundRect">
-            <a:avLst/>
-          </a:prstGeom>
-          <a:solidFill>
-            <a:schemeClr val="accent5">
-              <a:lumMod val="20000"/>
-              <a:lumOff val="80000"/>
-            </a:schemeClr>
-          </a:solidFill>
-          <a:ln w="28575">
-            <a:solidFill>
-              <a:schemeClr val="accent2">
-                <a:lumMod val="75000"/>
-              </a:schemeClr>
-            </a:solidFill>
-          </a:ln>
-        </p:spPr>
-        <p:style>
-          <a:lnRef idx="2">
-            <a:schemeClr val="accent5">
-              <a:shade val="50000"/>
-            </a:schemeClr>
-          </a:lnRef>
-          <a:fillRef idx="1">
-            <a:schemeClr val="accent5"/>
-          </a:fillRef>
-          <a:effectRef idx="0">
-            <a:schemeClr val="accent5"/>
-          </a:effectRef>
-          <a:fontRef idx="minor">
-            <a:schemeClr val="lt1"/>
-          </a:fontRef>
-        </p:style>
-        <p:txBody>
-          <a:bodyPr wrap="square">
-            <a:spAutoFit/>
-          </a:bodyPr>
-          <a:lstStyle/>
-          <a:p>
-            <a:r>
-              <a:rPr lang="en-US" sz="1500" dirty="0">
-                <a:solidFill>
-                  <a:schemeClr val="tx1"/>
-                </a:solidFill>
-                <a:latin typeface="Corbel" panose="020B0503020204020204" pitchFamily="34" charset="0"/>
-              </a:rPr>
-              <a:t>Flyway </a:t>
-            </a:r>
-            <a:r>
-              <a:rPr lang="ru-RU" sz="1500" dirty="0">
-                <a:solidFill>
-                  <a:schemeClr val="tx1"/>
-                </a:solidFill>
-                <a:latin typeface="Corbel" panose="020B0503020204020204" pitchFamily="34" charset="0"/>
-              </a:rPr>
-              <a:t>миграции:</a:t>
-            </a:r>
-          </a:p>
-          <a:p>
-            <a:endParaRPr lang="ru-RU" sz="1500" dirty="0">
-              <a:solidFill>
-                <a:schemeClr val="tx1"/>
-              </a:solidFill>
-              <a:latin typeface="Corbel" panose="020B0503020204020204" pitchFamily="34" charset="0"/>
-            </a:endParaRPr>
-          </a:p>
-          <a:p>
-            <a:r>
-              <a:rPr lang="en-US" sz="1500" dirty="0">
-                <a:solidFill>
-                  <a:schemeClr val="tx1"/>
-                </a:solidFill>
-                <a:latin typeface="Corbel" panose="020B0503020204020204" pitchFamily="34" charset="0"/>
-              </a:rPr>
-              <a:t>V1__Create_schema.sql — </a:t>
-            </a:r>
-            <a:r>
-              <a:rPr lang="ru-RU" sz="1500" dirty="0">
-                <a:solidFill>
-                  <a:schemeClr val="tx1"/>
-                </a:solidFill>
-                <a:latin typeface="Corbel" panose="020B0503020204020204" pitchFamily="34" charset="0"/>
-              </a:rPr>
-              <a:t>создает таблицы</a:t>
-            </a:r>
-          </a:p>
-          <a:p>
-            <a:r>
-              <a:rPr lang="en-US" sz="1500" dirty="0">
-                <a:solidFill>
-                  <a:schemeClr val="tx1"/>
-                </a:solidFill>
-                <a:latin typeface="Corbel" panose="020B0503020204020204" pitchFamily="34" charset="0"/>
-              </a:rPr>
-              <a:t>V2__Insert_test_data.sql — </a:t>
-            </a:r>
-            <a:r>
-              <a:rPr lang="ru-RU" sz="1500" dirty="0">
-                <a:solidFill>
-                  <a:schemeClr val="tx1"/>
-                </a:solidFill>
-                <a:latin typeface="Corbel" panose="020B0503020204020204" pitchFamily="34" charset="0"/>
-              </a:rPr>
-              <a:t>добавляет тестовые данные</a:t>
-            </a:r>
-          </a:p>
-          <a:p>
-            <a:r>
-              <a:rPr lang="en-US" sz="1500" dirty="0">
-                <a:solidFill>
-                  <a:schemeClr val="tx1"/>
-                </a:solidFill>
-                <a:latin typeface="Corbel" panose="020B0503020204020204" pitchFamily="34" charset="0"/>
-              </a:rPr>
-              <a:t>V3__Create_indexes.sql — </a:t>
-            </a:r>
-            <a:r>
-              <a:rPr lang="ru-RU" sz="1500" dirty="0">
-                <a:solidFill>
-                  <a:schemeClr val="tx1"/>
-                </a:solidFill>
-                <a:latin typeface="Corbel" panose="020B0503020204020204" pitchFamily="34" charset="0"/>
-              </a:rPr>
-              <a:t>создает индексы для </a:t>
-            </a:r>
-            <a:r>
-              <a:rPr lang="ru-RU" sz="1500" dirty="0" smtClean="0">
-                <a:solidFill>
-                  <a:schemeClr val="tx1"/>
-                </a:solidFill>
-                <a:latin typeface="Corbel" panose="020B0503020204020204" pitchFamily="34" charset="0"/>
-              </a:rPr>
-              <a:t>оптимизации</a:t>
-            </a:r>
-            <a:endParaRPr lang="ru-RU" sz="1500" dirty="0">
-              <a:solidFill>
-                <a:schemeClr val="tx1"/>
-              </a:solidFill>
-              <a:latin typeface="Corbel" panose="020B0503020204020204" pitchFamily="34" charset="0"/>
-            </a:endParaRPr>
-          </a:p>
-        </p:txBody>
-      </p:sp>
-      <p:sp>
-        <p:nvSpPr>
           <p:cNvPr id="10" name="TextBox 9">
             <a:extLst>
               <a:ext uri="{FF2B5EF4-FFF2-40B4-BE49-F238E27FC236}">
@@ -9013,7 +8759,7 @@
         </p:nvSpPr>
         <p:spPr>
           <a:xfrm>
-            <a:off x="3048000" y="1080513"/>
+            <a:off x="2987040" y="2157473"/>
             <a:ext cx="6096000" cy="612934"/>
           </a:xfrm>
           <a:prstGeom prst="roundRect">
@@ -9099,7 +8845,7 @@
         </p:nvSpPr>
         <p:spPr>
           <a:xfrm>
-            <a:off x="3048000" y="1821078"/>
+            <a:off x="2987040" y="2898038"/>
             <a:ext cx="6096000" cy="868323"/>
           </a:xfrm>
           <a:prstGeom prst="roundRect">
@@ -9256,7 +9002,7 @@
         </p:nvSpPr>
         <p:spPr>
           <a:xfrm>
-            <a:off x="3048000" y="2810311"/>
+            <a:off x="2987040" y="3887271"/>
             <a:ext cx="6096000" cy="357545"/>
           </a:xfrm>
           <a:prstGeom prst="roundRect">
@@ -9324,7 +9070,7 @@
         </p:nvSpPr>
         <p:spPr>
           <a:xfrm>
-            <a:off x="3048000" y="3292155"/>
+            <a:off x="2987040" y="4369115"/>
             <a:ext cx="6096000" cy="612934"/>
           </a:xfrm>
           <a:prstGeom prst="roundRect">
@@ -13087,19 +12833,7 @@
                 </a:solidFill>
                 <a:latin typeface="Corbel" panose="020B0503020204020204" pitchFamily="34" charset="0"/>
               </a:rPr>
-              <a:t> </a:t>
-            </a:r>
-            <a:r>
-              <a:rPr lang="ru-RU" sz="1500" dirty="0">
-                <a:solidFill>
-                  <a:schemeClr val="tx1">
-                    <a:lumMod val="95000"/>
-                    <a:lumOff val="5000"/>
-                  </a:schemeClr>
-                </a:solidFill>
-                <a:latin typeface="Corbel" panose="020B0503020204020204" pitchFamily="34" charset="0"/>
-              </a:rPr>
-              <a:t>(</a:t>
+              <a:t> (</a:t>
             </a:r>
             <a:r>
               <a:rPr lang="ru-RU" sz="1500" dirty="0" err="1" smtClean="0">
@@ -15071,25 +14805,401 @@
                 </a:solidFill>
                 <a:latin typeface="Consolas" panose="020B0609020204030204" pitchFamily="49" charset="0"/>
               </a:rPr>
-              <a:t>“</a:t>
+              <a:t>“C</a:t>
+            </a:r>
+            <a:r>
+              <a:rPr lang="ru-RU" sz="1333" dirty="0" err="1" smtClean="0">
+                <a:solidFill>
+                  <a:srgbClr val="ABE338"/>
+                </a:solidFill>
+                <a:latin typeface="Consolas" panose="020B0609020204030204" pitchFamily="49" charset="0"/>
+              </a:rPr>
+              <a:t>татус</a:t>
+            </a:r>
+            <a:r>
+              <a:rPr lang="ru-RU" sz="1333" dirty="0" smtClean="0">
+                <a:solidFill>
+                  <a:srgbClr val="ABE338"/>
+                </a:solidFill>
+                <a:latin typeface="Consolas" panose="020B0609020204030204" pitchFamily="49" charset="0"/>
+              </a:rPr>
+              <a:t> </a:t>
+            </a:r>
+            <a:r>
+              <a:rPr lang="ru-RU" sz="1333" dirty="0">
+                <a:solidFill>
+                  <a:srgbClr val="ABE338"/>
+                </a:solidFill>
+                <a:latin typeface="Consolas" panose="020B0609020204030204" pitchFamily="49" charset="0"/>
+              </a:rPr>
+              <a:t>изменен на </a:t>
+            </a:r>
+            <a:r>
+              <a:rPr lang="en-US" sz="1333" dirty="0">
+                <a:solidFill>
+                  <a:srgbClr val="ABE338"/>
+                </a:solidFill>
+                <a:latin typeface="Consolas" panose="020B0609020204030204" pitchFamily="49" charset="0"/>
+              </a:rPr>
+              <a:t>SHIPPED"</a:t>
+            </a:r>
+            <a:r>
+              <a:rPr lang="en-US" sz="1333" dirty="0">
+                <a:solidFill>
+                  <a:schemeClr val="bg1"/>
+                </a:solidFill>
+                <a:latin typeface="Consolas" panose="020B0609020204030204" pitchFamily="49" charset="0"/>
+              </a:rPr>
+              <a:t>);</a:t>
+            </a:r>
+          </a:p>
+          <a:p>
+            <a:r>
+              <a:rPr lang="en-US" sz="1333" dirty="0">
+                <a:solidFill>
+                  <a:schemeClr val="bg1"/>
+                </a:solidFill>
+                <a:latin typeface="Consolas" panose="020B0609020204030204" pitchFamily="49" charset="0"/>
+              </a:rPr>
+              <a:t>        </a:t>
+            </a:r>
+          </a:p>
+          <a:p>
+            <a:r>
+              <a:rPr lang="en-US" sz="1333" dirty="0">
+                <a:solidFill>
+                  <a:schemeClr val="bg1"/>
+                </a:solidFill>
+                <a:latin typeface="Consolas" panose="020B0609020204030204" pitchFamily="49" charset="0"/>
+              </a:rPr>
+              <a:t>        </a:t>
+            </a:r>
+            <a:r>
+              <a:rPr lang="en-US" sz="1333" dirty="0">
+                <a:solidFill>
+                  <a:srgbClr val="F3E9C7"/>
+                </a:solidFill>
+                <a:latin typeface="Consolas" panose="020B0609020204030204" pitchFamily="49" charset="0"/>
+              </a:rPr>
+              <a:t>// LIST — </a:t>
+            </a:r>
+            <a:r>
+              <a:rPr lang="ru-RU" sz="1333" dirty="0">
+                <a:solidFill>
+                  <a:srgbClr val="F3E9C7"/>
+                </a:solidFill>
+                <a:latin typeface="Consolas" panose="020B0609020204030204" pitchFamily="49" charset="0"/>
+              </a:rPr>
+              <a:t>получаем все заказы клиента</a:t>
+            </a:r>
+          </a:p>
+          <a:p>
+            <a:r>
+              <a:rPr lang="ru-RU" sz="1333" dirty="0">
+                <a:solidFill>
+                  <a:schemeClr val="bg1"/>
+                </a:solidFill>
+                <a:latin typeface="Consolas" panose="020B0609020204030204" pitchFamily="49" charset="0"/>
+              </a:rPr>
+              <a:t>        </a:t>
+            </a:r>
+            <a:r>
+              <a:rPr lang="en-US" sz="1333" dirty="0">
+                <a:solidFill>
+                  <a:schemeClr val="bg1"/>
+                </a:solidFill>
+                <a:latin typeface="Consolas" panose="020B0609020204030204" pitchFamily="49" charset="0"/>
+              </a:rPr>
+              <a:t>List&lt;Order&gt; </a:t>
+            </a:r>
+            <a:r>
+              <a:rPr lang="en-US" sz="1333" dirty="0" err="1">
+                <a:solidFill>
+                  <a:schemeClr val="bg1"/>
+                </a:solidFill>
+                <a:latin typeface="Consolas" panose="020B0609020204030204" pitchFamily="49" charset="0"/>
+              </a:rPr>
+              <a:t>customerOrders</a:t>
+            </a:r>
+            <a:r>
+              <a:rPr lang="en-US" sz="1333" dirty="0">
+                <a:solidFill>
+                  <a:schemeClr val="bg1"/>
+                </a:solidFill>
+                <a:latin typeface="Consolas" panose="020B0609020204030204" pitchFamily="49" charset="0"/>
+              </a:rPr>
+              <a:t> = </a:t>
+            </a:r>
+            <a:r>
+              <a:rPr lang="en-US" sz="1333" dirty="0" err="1">
+                <a:solidFill>
+                  <a:schemeClr val="bg1"/>
+                </a:solidFill>
+                <a:latin typeface="Consolas" panose="020B0609020204030204" pitchFamily="49" charset="0"/>
+              </a:rPr>
+              <a:t>orderDAO.findByCustomerId</a:t>
+            </a:r>
+            <a:r>
+              <a:rPr lang="en-US" sz="1333" dirty="0">
+                <a:solidFill>
+                  <a:schemeClr val="bg1"/>
+                </a:solidFill>
+                <a:latin typeface="Consolas" panose="020B0609020204030204" pitchFamily="49" charset="0"/>
+              </a:rPr>
+              <a:t>(</a:t>
+            </a:r>
+            <a:r>
+              <a:rPr lang="en-US" sz="1333" dirty="0">
+                <a:solidFill>
+                  <a:srgbClr val="FFC000"/>
+                </a:solidFill>
+                <a:latin typeface="Consolas" panose="020B0609020204030204" pitchFamily="49" charset="0"/>
+              </a:rPr>
+              <a:t>1L</a:t>
+            </a:r>
+            <a:r>
+              <a:rPr lang="en-US" sz="1333" dirty="0">
+                <a:solidFill>
+                  <a:schemeClr val="bg1"/>
+                </a:solidFill>
+                <a:latin typeface="Consolas" panose="020B0609020204030204" pitchFamily="49" charset="0"/>
+              </a:rPr>
+              <a:t>);</a:t>
+            </a:r>
+          </a:p>
+          <a:p>
+            <a:r>
+              <a:rPr lang="en-US" sz="1333" dirty="0">
+                <a:solidFill>
+                  <a:schemeClr val="bg1"/>
+                </a:solidFill>
+                <a:latin typeface="Consolas" panose="020B0609020204030204" pitchFamily="49" charset="0"/>
+              </a:rPr>
+              <a:t>        </a:t>
+            </a:r>
+            <a:r>
+              <a:rPr lang="en-US" sz="1333" dirty="0" err="1">
+                <a:solidFill>
+                  <a:schemeClr val="bg1"/>
+                </a:solidFill>
+                <a:latin typeface="Consolas" panose="020B0609020204030204" pitchFamily="49" charset="0"/>
+              </a:rPr>
+              <a:t>System.out.println</a:t>
             </a:r>
             <a:r>
               <a:rPr lang="en-US" sz="1333" dirty="0" smtClean="0">
                 <a:solidFill>
+                  <a:schemeClr val="bg1"/>
+                </a:solidFill>
+                <a:latin typeface="Consolas" panose="020B0609020204030204" pitchFamily="49" charset="0"/>
+              </a:rPr>
+              <a:t>(</a:t>
+            </a:r>
+            <a:r>
+              <a:rPr lang="en-US" sz="1333" dirty="0" smtClean="0">
+                <a:solidFill>
                   <a:srgbClr val="ABE338"/>
                 </a:solidFill>
                 <a:latin typeface="Consolas" panose="020B0609020204030204" pitchFamily="49" charset="0"/>
               </a:rPr>
-              <a:t>C</a:t>
-            </a:r>
-            <a:r>
-              <a:rPr lang="ru-RU" sz="1333" dirty="0" err="1" smtClean="0">
+              <a:t>"</a:t>
+            </a:r>
+            <a:r>
+              <a:rPr lang="ru-RU" sz="1333" dirty="0" smtClean="0">
                 <a:solidFill>
                   <a:srgbClr val="ABE338"/>
                 </a:solidFill>
                 <a:latin typeface="Consolas" panose="020B0609020204030204" pitchFamily="49" charset="0"/>
               </a:rPr>
-              <a:t>татус</a:t>
+              <a:t>Заказы </a:t>
+            </a:r>
+            <a:r>
+              <a:rPr lang="ru-RU" sz="1333" dirty="0">
+                <a:solidFill>
+                  <a:srgbClr val="ABE338"/>
+                </a:solidFill>
+                <a:latin typeface="Consolas" panose="020B0609020204030204" pitchFamily="49" charset="0"/>
+              </a:rPr>
+              <a:t>клиента: "</a:t>
+            </a:r>
+            <a:r>
+              <a:rPr lang="ru-RU" sz="1333" dirty="0">
+                <a:solidFill>
+                  <a:schemeClr val="bg1"/>
+                </a:solidFill>
+                <a:latin typeface="Consolas" panose="020B0609020204030204" pitchFamily="49" charset="0"/>
+              </a:rPr>
+              <a:t> + </a:t>
+            </a:r>
+            <a:r>
+              <a:rPr lang="en-US" sz="1333" dirty="0" err="1">
+                <a:solidFill>
+                  <a:schemeClr val="bg1"/>
+                </a:solidFill>
+                <a:latin typeface="Consolas" panose="020B0609020204030204" pitchFamily="49" charset="0"/>
+              </a:rPr>
+              <a:t>customerOrders.size</a:t>
+            </a:r>
+            <a:r>
+              <a:rPr lang="en-US" sz="1333" dirty="0">
+                <a:solidFill>
+                  <a:schemeClr val="bg1"/>
+                </a:solidFill>
+                <a:latin typeface="Consolas" panose="020B0609020204030204" pitchFamily="49" charset="0"/>
+              </a:rPr>
+              <a:t>());</a:t>
+            </a:r>
+          </a:p>
+          <a:p>
+            <a:r>
+              <a:rPr lang="en-US" sz="1333" dirty="0">
+                <a:solidFill>
+                  <a:schemeClr val="bg1"/>
+                </a:solidFill>
+                <a:latin typeface="Consolas" panose="020B0609020204030204" pitchFamily="49" charset="0"/>
+              </a:rPr>
+              <a:t>        </a:t>
+            </a:r>
+          </a:p>
+          <a:p>
+            <a:r>
+              <a:rPr lang="en-US" sz="1333" dirty="0">
+                <a:solidFill>
+                  <a:schemeClr val="bg1"/>
+                </a:solidFill>
+                <a:latin typeface="Consolas" panose="020B0609020204030204" pitchFamily="49" charset="0"/>
+              </a:rPr>
+              <a:t>        </a:t>
+            </a:r>
+            <a:r>
+              <a:rPr lang="en-US" sz="1333" dirty="0">
+                <a:solidFill>
+                  <a:srgbClr val="F3E9C7"/>
+                </a:solidFill>
+                <a:latin typeface="Consolas" panose="020B0609020204030204" pitchFamily="49" charset="0"/>
+              </a:rPr>
+              <a:t>// STATS — </a:t>
+            </a:r>
+            <a:r>
+              <a:rPr lang="ru-RU" sz="1333" dirty="0">
+                <a:solidFill>
+                  <a:srgbClr val="F3E9C7"/>
+                </a:solidFill>
+                <a:latin typeface="Consolas" panose="020B0609020204030204" pitchFamily="49" charset="0"/>
+              </a:rPr>
+              <a:t>считаем статистику</a:t>
+            </a:r>
+          </a:p>
+          <a:p>
+            <a:r>
+              <a:rPr lang="ru-RU" sz="1333" dirty="0">
+                <a:solidFill>
+                  <a:schemeClr val="bg1"/>
+                </a:solidFill>
+                <a:latin typeface="Consolas" panose="020B0609020204030204" pitchFamily="49" charset="0"/>
+              </a:rPr>
+              <a:t>        </a:t>
+            </a:r>
+            <a:r>
+              <a:rPr lang="en-US" sz="1333" dirty="0" err="1">
+                <a:solidFill>
+                  <a:schemeClr val="bg1"/>
+                </a:solidFill>
+                <a:latin typeface="Consolas" panose="020B0609020204030204" pitchFamily="49" charset="0"/>
+              </a:rPr>
+              <a:t>OrderDAO.</a:t>
+            </a:r>
+            <a:r>
+              <a:rPr lang="en-US" sz="1333" dirty="0" err="1">
+                <a:solidFill>
+                  <a:srgbClr val="FFC000"/>
+                </a:solidFill>
+                <a:latin typeface="Consolas" panose="020B0609020204030204" pitchFamily="49" charset="0"/>
+              </a:rPr>
+              <a:t>OrderStats</a:t>
+            </a:r>
+            <a:r>
+              <a:rPr lang="en-US" sz="1333" dirty="0">
+                <a:solidFill>
+                  <a:schemeClr val="bg1"/>
+                </a:solidFill>
+                <a:latin typeface="Consolas" panose="020B0609020204030204" pitchFamily="49" charset="0"/>
+              </a:rPr>
+              <a:t> </a:t>
+            </a:r>
+            <a:r>
+              <a:rPr lang="en-US" sz="1333" dirty="0">
+                <a:solidFill>
+                  <a:srgbClr val="FF5050"/>
+                </a:solidFill>
+                <a:latin typeface="Consolas" panose="020B0609020204030204" pitchFamily="49" charset="0"/>
+              </a:rPr>
+              <a:t>stats</a:t>
+            </a:r>
+            <a:r>
+              <a:rPr lang="en-US" sz="1333" dirty="0">
+                <a:solidFill>
+                  <a:schemeClr val="bg1"/>
+                </a:solidFill>
+                <a:latin typeface="Consolas" panose="020B0609020204030204" pitchFamily="49" charset="0"/>
+              </a:rPr>
+              <a:t> = </a:t>
+            </a:r>
+            <a:r>
+              <a:rPr lang="en-US" sz="1333" dirty="0" err="1">
+                <a:solidFill>
+                  <a:schemeClr val="bg1"/>
+                </a:solidFill>
+                <a:latin typeface="Consolas" panose="020B0609020204030204" pitchFamily="49" charset="0"/>
+              </a:rPr>
+              <a:t>orderDAO.getStats</a:t>
+            </a:r>
+            <a:r>
+              <a:rPr lang="en-US" sz="1333" dirty="0">
+                <a:solidFill>
+                  <a:schemeClr val="bg1"/>
+                </a:solidFill>
+                <a:latin typeface="Consolas" panose="020B0609020204030204" pitchFamily="49" charset="0"/>
+              </a:rPr>
+              <a:t>();</a:t>
+            </a:r>
+          </a:p>
+          <a:p>
+            <a:r>
+              <a:rPr lang="en-US" sz="1333" dirty="0">
+                <a:solidFill>
+                  <a:schemeClr val="bg1"/>
+                </a:solidFill>
+                <a:latin typeface="Consolas" panose="020B0609020204030204" pitchFamily="49" charset="0"/>
+              </a:rPr>
+              <a:t>        </a:t>
+            </a:r>
+            <a:r>
+              <a:rPr lang="en-US" sz="1333" dirty="0" err="1">
+                <a:solidFill>
+                  <a:schemeClr val="bg1"/>
+                </a:solidFill>
+                <a:latin typeface="Consolas" panose="020B0609020204030204" pitchFamily="49" charset="0"/>
+              </a:rPr>
+              <a:t>System.out.println</a:t>
+            </a:r>
+            <a:r>
+              <a:rPr lang="en-US" sz="1333" dirty="0" smtClean="0">
+                <a:solidFill>
+                  <a:schemeClr val="bg1"/>
+                </a:solidFill>
+                <a:latin typeface="Consolas" panose="020B0609020204030204" pitchFamily="49" charset="0"/>
+              </a:rPr>
+              <a:t>(</a:t>
+            </a:r>
+            <a:r>
+              <a:rPr lang="en-US" sz="1333" dirty="0" smtClean="0">
+                <a:solidFill>
+                  <a:srgbClr val="ABE338"/>
+                </a:solidFill>
+                <a:latin typeface="Consolas" panose="020B0609020204030204" pitchFamily="49" charset="0"/>
+              </a:rPr>
+              <a:t>"</a:t>
             </a:r>
             <a:r>
               <a:rPr lang="ru-RU" sz="1333" dirty="0" smtClean="0">
@@ -15098,7 +15208,7 @@
                 </a:solidFill>
                 <a:latin typeface="Consolas" panose="020B0609020204030204" pitchFamily="49" charset="0"/>
               </a:rPr>
-              <a:t> </a:t>
+              <a:t>Всего </a:t>
             </a:r>
             <a:r>
               <a:rPr lang="ru-RU" sz="1333" dirty="0">
@@ -15107,16 +15217,108 @@
                 </a:solidFill>
                 <a:latin typeface="Consolas" panose="020B0609020204030204" pitchFamily="49" charset="0"/>
               </a:rPr>
-              <a:t>изменен на </a:t>
+              <a:t>заказов: "</a:t>
+            </a:r>
+            <a:r>
+              <a:rPr lang="ru-RU" sz="1333" dirty="0">
+                <a:solidFill>
+                  <a:schemeClr val="bg1"/>
+                </a:solidFill>
+                <a:latin typeface="Consolas" panose="020B0609020204030204" pitchFamily="49" charset="0"/>
+              </a:rPr>
+              <a:t> + </a:t>
+            </a:r>
+            <a:r>
+              <a:rPr lang="en-US" sz="1333" dirty="0" err="1">
+                <a:solidFill>
+                  <a:schemeClr val="bg1"/>
+                </a:solidFill>
+                <a:latin typeface="Consolas" panose="020B0609020204030204" pitchFamily="49" charset="0"/>
+              </a:rPr>
+              <a:t>stats.totalOrders</a:t>
             </a:r>
             <a:r>
               <a:rPr lang="en-US" sz="1333" dirty="0">
                 <a:solidFill>
+                  <a:schemeClr val="bg1"/>
+                </a:solidFill>
+                <a:latin typeface="Consolas" panose="020B0609020204030204" pitchFamily="49" charset="0"/>
+              </a:rPr>
+              <a:t>);</a:t>
+            </a:r>
+          </a:p>
+          <a:p>
+            <a:r>
+              <a:rPr lang="en-US" sz="1333" dirty="0">
+                <a:solidFill>
+                  <a:schemeClr val="bg1"/>
+                </a:solidFill>
+                <a:latin typeface="Consolas" panose="020B0609020204030204" pitchFamily="49" charset="0"/>
+              </a:rPr>
+              <a:t>        </a:t>
+            </a:r>
+            <a:r>
+              <a:rPr lang="en-US" sz="1333" dirty="0" err="1">
+                <a:solidFill>
+                  <a:schemeClr val="bg1"/>
+                </a:solidFill>
+                <a:latin typeface="Consolas" panose="020B0609020204030204" pitchFamily="49" charset="0"/>
+              </a:rPr>
+              <a:t>System.out.println</a:t>
+            </a:r>
+            <a:r>
+              <a:rPr lang="en-US" sz="1333" dirty="0" smtClean="0">
+                <a:solidFill>
+                  <a:schemeClr val="bg1"/>
+                </a:solidFill>
+                <a:latin typeface="Consolas" panose="020B0609020204030204" pitchFamily="49" charset="0"/>
+              </a:rPr>
+              <a:t>(</a:t>
+            </a:r>
+            <a:r>
+              <a:rPr lang="en-US" sz="1333" dirty="0" smtClean="0">
+                <a:solidFill>
                   <a:srgbClr val="ABE338"/>
                 </a:solidFill>
                 <a:latin typeface="Consolas" panose="020B0609020204030204" pitchFamily="49" charset="0"/>
               </a:rPr>
-              <a:t>SHIPPED"</a:t>
+              <a:t>"</a:t>
+            </a:r>
+            <a:r>
+              <a:rPr lang="ru-RU" sz="1333" dirty="0" smtClean="0">
+                <a:solidFill>
+                  <a:srgbClr val="ABE338"/>
+                </a:solidFill>
+                <a:latin typeface="Consolas" panose="020B0609020204030204" pitchFamily="49" charset="0"/>
+              </a:rPr>
+              <a:t>Выручка</a:t>
+            </a:r>
+            <a:r>
+              <a:rPr lang="ru-RU" sz="1333" dirty="0">
+                <a:solidFill>
+                  <a:srgbClr val="ABE338"/>
+                </a:solidFill>
+                <a:latin typeface="Consolas" panose="020B0609020204030204" pitchFamily="49" charset="0"/>
+              </a:rPr>
+              <a:t>: "</a:t>
+            </a:r>
+            <a:r>
+              <a:rPr lang="ru-RU" sz="1333" dirty="0">
+                <a:solidFill>
+                  <a:schemeClr val="bg1"/>
+                </a:solidFill>
+                <a:latin typeface="Consolas" panose="020B0609020204030204" pitchFamily="49" charset="0"/>
+              </a:rPr>
+              <a:t> + </a:t>
+            </a:r>
+            <a:r>
+              <a:rPr lang="en-US" sz="1333" dirty="0" err="1">
+                <a:solidFill>
+                  <a:schemeClr val="bg1"/>
+                </a:solidFill>
+                <a:latin typeface="Consolas" panose="020B0609020204030204" pitchFamily="49" charset="0"/>
+              </a:rPr>
+              <a:t>stats.totalRevenue</a:t>
             </a:r>
             <a:r>
               <a:rPr lang="en-US" sz="1333" dirty="0">
@@ -15156,7 +15358,7 @@
                 </a:solidFill>
                 <a:latin typeface="Consolas" panose="020B0609020204030204" pitchFamily="49" charset="0"/>
               </a:rPr>
-              <a:t>// LIST — </a:t>
+              <a:t>// DELETE — </a:t>
             </a:r>
             <a:r>
               <a:rPr lang="ru-RU" sz="1333" dirty="0">
@@ -15165,7 +15367,7 @@
                 </a:solidFill>
                 <a:latin typeface="Consolas" panose="020B0609020204030204" pitchFamily="49" charset="0"/>
               </a:rPr>
-              <a:t>получаем все заказы клиента</a:t>
+              <a:t>удаляем заказ</a:t>
             </a:r>
           </a:p>
           <a:p>
@@ -15179,13 +15381,22 @@
               <a:t>        </a:t>
             </a:r>
             <a:r>
+              <a:rPr lang="en-US" sz="1333" dirty="0" err="1">
+                <a:solidFill>
+                  <a:schemeClr val="bg1"/>
+                </a:solidFill>
+                <a:latin typeface="Consolas" panose="020B0609020204030204" pitchFamily="49" charset="0"/>
+              </a:rPr>
+              <a:t>orderDAO.delete</a:t>
+            </a:r>
+            <a:r>
               <a:rPr lang="en-US" sz="1333" dirty="0">
                 <a:solidFill>
                   <a:schemeClr val="bg1"/>
                 </a:solidFill>
                 <a:latin typeface="Consolas" panose="020B0609020204030204" pitchFamily="49" charset="0"/>
               </a:rPr>
-              <a:t>List&lt;Order&gt; </a:t>
+              <a:t>(</a:t>
             </a:r>
             <a:r>
               <a:rPr lang="en-US" sz="1333" dirty="0" err="1">
@@ -15194,7 +15405,7 @@
                 </a:solidFill>
                 <a:latin typeface="Consolas" panose="020B0609020204030204" pitchFamily="49" charset="0"/>
               </a:rPr>
-              <a:t>customerOrders</a:t>
+              <a:t>orderId</a:t>
             </a:r>
             <a:r>
               <a:rPr lang="en-US" sz="1333" dirty="0">
@@ -15203,7 +15414,18 @@
                 </a:solidFill>
                 <a:latin typeface="Consolas" panose="020B0609020204030204" pitchFamily="49" charset="0"/>
               </a:rPr>
-              <a:t> = </a:t>
+              <a:t>);</a:t>
+            </a:r>
+          </a:p>
+          <a:p>
+            <a:r>
+              <a:rPr lang="en-US" sz="1333" dirty="0">
+                <a:solidFill>
+                  <a:schemeClr val="bg1"/>
+                </a:solidFill>
+                <a:latin typeface="Consolas" panose="020B0609020204030204" pitchFamily="49" charset="0"/>
+              </a:rPr>
+              <a:t>        </a:t>
             </a:r>
             <a:r>
               <a:rPr lang="en-US" sz="1333" dirty="0" err="1">
@@ -15212,10 +15434,10 @@
                 </a:solidFill>
                 <a:latin typeface="Consolas" panose="020B0609020204030204" pitchFamily="49" charset="0"/>
               </a:rPr>
-              <a:t>orderDAO.findByCustomerId</a:t>
-            </a:r>
-            <a:r>
-              <a:rPr lang="en-US" sz="1333" dirty="0">
+              <a:t>System.out.println</a:t>
+            </a:r>
+            <a:r>
+              <a:rPr lang="en-US" sz="1333" dirty="0" smtClean="0">
                 <a:solidFill>
                   <a:schemeClr val="bg1"/>
                 </a:solidFill>
@@ -15224,16 +15446,34 @@
               <a:t>(</a:t>
             </a:r>
             <a:r>
-              <a:rPr lang="en-US" sz="1333" dirty="0">
-                <a:solidFill>
-                  <a:srgbClr val="FFC000"/>
-                </a:solidFill>
-                <a:latin typeface="Consolas" panose="020B0609020204030204" pitchFamily="49" charset="0"/>
-              </a:rPr>
-              <a:t>1L</a:t>
-            </a:r>
-            <a:r>
-              <a:rPr lang="en-US" sz="1333" dirty="0">
+              <a:rPr lang="en-US" sz="1333" dirty="0" smtClean="0">
+                <a:solidFill>
+                  <a:srgbClr val="ABE338"/>
+                </a:solidFill>
+                <a:latin typeface="Consolas" panose="020B0609020204030204" pitchFamily="49" charset="0"/>
+              </a:rPr>
+              <a:t>"</a:t>
+            </a:r>
+            <a:r>
+              <a:rPr lang="ru-RU" sz="1333" dirty="0" smtClean="0">
+                <a:solidFill>
+                  <a:srgbClr val="ABE338"/>
+                </a:solidFill>
+                <a:latin typeface="Consolas" panose="020B0609020204030204" pitchFamily="49" charset="0"/>
+              </a:rPr>
+              <a:t>Заказ </a:t>
+            </a:r>
+            <a:r>
+              <a:rPr lang="ru-RU" sz="1333" dirty="0">
+                <a:solidFill>
+                  <a:srgbClr val="ABE338"/>
+                </a:solidFill>
+                <a:latin typeface="Consolas" panose="020B0609020204030204" pitchFamily="49" charset="0"/>
+              </a:rPr>
+              <a:t>удален"</a:t>
+            </a:r>
+            <a:r>
+              <a:rPr lang="ru-RU" sz="1333" dirty="0">
                 <a:solidFill>
                   <a:schemeClr val="bg1"/>
                 </a:solidFill>
@@ -15244,7 +15484,7 @@
           </a:p>
           <a:p>
             <a:r>
-              <a:rPr lang="en-US" sz="1333" dirty="0">
+              <a:rPr lang="ru-RU" sz="1333" dirty="0">
                 <a:solidFill>
                   <a:schemeClr val="bg1"/>
                 </a:solidFill>
@@ -15252,558 +15492,34 @@
               </a:rPr>
               <a:t>        </a:t>
             </a:r>
-            <a:r>
-              <a:rPr lang="en-US" sz="1333" dirty="0" err="1">
-                <a:solidFill>
-                  <a:schemeClr val="bg1"/>
-                </a:solidFill>
-                <a:latin typeface="Consolas" panose="020B0609020204030204" pitchFamily="49" charset="0"/>
-              </a:rPr>
-              <a:t>System.out.println</a:t>
+          </a:p>
+          <a:p>
+            <a:r>
+              <a:rPr lang="ru-RU" sz="1333" dirty="0">
+                <a:solidFill>
+                  <a:schemeClr val="bg1"/>
+                </a:solidFill>
+                <a:latin typeface="Consolas" panose="020B0609020204030204" pitchFamily="49" charset="0"/>
+              </a:rPr>
+              <a:t>    } </a:t>
             </a:r>
             <a:r>
               <a:rPr lang="en-US" sz="1333" dirty="0" smtClean="0">
                 <a:solidFill>
-                  <a:schemeClr val="bg1"/>
-                </a:solidFill>
-                <a:latin typeface="Consolas" panose="020B0609020204030204" pitchFamily="49" charset="0"/>
-              </a:rPr>
-              <a:t>(</a:t>
+                  <a:srgbClr val="D47DFF"/>
+                </a:solidFill>
+                <a:latin typeface="Consolas" panose="020B0609020204030204" pitchFamily="49" charset="0"/>
+              </a:rPr>
+              <a:t>finally</a:t>
             </a:r>
             <a:r>
               <a:rPr lang="en-US" sz="1333" dirty="0" smtClean="0">
                 <a:solidFill>
-                  <a:srgbClr val="ABE338"/>
-                </a:solidFill>
-                <a:latin typeface="Consolas" panose="020B0609020204030204" pitchFamily="49" charset="0"/>
-              </a:rPr>
-              <a:t>"</a:t>
-            </a:r>
-            <a:r>
-              <a:rPr lang="ru-RU" sz="1333" dirty="0" smtClean="0">
-                <a:solidFill>
-                  <a:srgbClr val="ABE338"/>
-                </a:solidFill>
-                <a:latin typeface="Consolas" panose="020B0609020204030204" pitchFamily="49" charset="0"/>
-              </a:rPr>
-              <a:t>Заказы </a:t>
-            </a:r>
-            <a:r>
-              <a:rPr lang="ru-RU" sz="1333" dirty="0">
-                <a:solidFill>
-                  <a:srgbClr val="ABE338"/>
-                </a:solidFill>
-                <a:latin typeface="Consolas" panose="020B0609020204030204" pitchFamily="49" charset="0"/>
-              </a:rPr>
-              <a:t>клиента: "</a:t>
-            </a:r>
-            <a:r>
-              <a:rPr lang="ru-RU" sz="1333" dirty="0">
-                <a:solidFill>
-                  <a:schemeClr val="bg1"/>
-                </a:solidFill>
-                <a:latin typeface="Consolas" panose="020B0609020204030204" pitchFamily="49" charset="0"/>
-              </a:rPr>
-              <a:t> + </a:t>
-            </a:r>
-            <a:r>
-              <a:rPr lang="en-US" sz="1333" dirty="0" err="1">
-                <a:solidFill>
-                  <a:schemeClr val="bg1"/>
-                </a:solidFill>
-                <a:latin typeface="Consolas" panose="020B0609020204030204" pitchFamily="49" charset="0"/>
-              </a:rPr>
-              <a:t>customerOrders.size</a:t>
-            </a:r>
-            <a:r>
-              <a:rPr lang="en-US" sz="1333" dirty="0">
-                <a:solidFill>
-                  <a:schemeClr val="bg1"/>
-                </a:solidFill>
-                <a:latin typeface="Consolas" panose="020B0609020204030204" pitchFamily="49" charset="0"/>
-              </a:rPr>
-              <a:t>());</a:t>
-            </a:r>
-          </a:p>
-          <a:p>
-            <a:r>
-              <a:rPr lang="en-US" sz="1333" dirty="0">
-                <a:solidFill>
-                  <a:schemeClr val="bg1"/>
-                </a:solidFill>
-                <a:latin typeface="Consolas" panose="020B0609020204030204" pitchFamily="49" charset="0"/>
-              </a:rPr>
-              <a:t>        </a:t>
-            </a:r>
-          </a:p>
-          <a:p>
-            <a:r>
-              <a:rPr lang="en-US" sz="1333" dirty="0">
-                <a:solidFill>
-                  <a:schemeClr val="bg1"/>
-                </a:solidFill>
-                <a:latin typeface="Consolas" panose="020B0609020204030204" pitchFamily="49" charset="0"/>
-              </a:rPr>
-              <a:t>        </a:t>
-            </a:r>
-            <a:r>
-              <a:rPr lang="en-US" sz="1333" dirty="0">
-                <a:solidFill>
-                  <a:srgbClr val="F3E9C7"/>
-                </a:solidFill>
-                <a:latin typeface="Consolas" panose="020B0609020204030204" pitchFamily="49" charset="0"/>
-              </a:rPr>
-              <a:t>// STATS — </a:t>
-            </a:r>
-            <a:r>
-              <a:rPr lang="ru-RU" sz="1333" dirty="0">
-                <a:solidFill>
-                  <a:srgbClr val="F3E9C7"/>
-                </a:solidFill>
-                <a:latin typeface="Consolas" panose="020B0609020204030204" pitchFamily="49" charset="0"/>
-              </a:rPr>
-              <a:t>считаем статистику</a:t>
-            </a:r>
-          </a:p>
-          <a:p>
-            <a:r>
-              <a:rPr lang="ru-RU" sz="1333" dirty="0">
-                <a:solidFill>
-                  <a:schemeClr val="bg1"/>
-                </a:solidFill>
-                <a:latin typeface="Consolas" panose="020B0609020204030204" pitchFamily="49" charset="0"/>
-              </a:rPr>
-              <a:t>        </a:t>
-            </a:r>
-            <a:r>
-              <a:rPr lang="en-US" sz="1333" dirty="0" err="1">
-                <a:solidFill>
-                  <a:schemeClr val="bg1"/>
-                </a:solidFill>
-                <a:latin typeface="Consolas" panose="020B0609020204030204" pitchFamily="49" charset="0"/>
-              </a:rPr>
-              <a:t>OrderDAO.</a:t>
-            </a:r>
-            <a:r>
-              <a:rPr lang="en-US" sz="1333" dirty="0" err="1">
-                <a:solidFill>
-                  <a:srgbClr val="FFC000"/>
-                </a:solidFill>
-                <a:latin typeface="Consolas" panose="020B0609020204030204" pitchFamily="49" charset="0"/>
-              </a:rPr>
-              <a:t>OrderStats</a:t>
-            </a:r>
-            <a:r>
-              <a:rPr lang="en-US" sz="1333" dirty="0">
-                <a:solidFill>
-                  <a:schemeClr val="bg1"/>
-                </a:solidFill>
-                <a:latin typeface="Consolas" panose="020B0609020204030204" pitchFamily="49" charset="0"/>
-              </a:rPr>
-              <a:t> </a:t>
-            </a:r>
-            <a:r>
-              <a:rPr lang="en-US" sz="1333" dirty="0">
-                <a:solidFill>
-                  <a:srgbClr val="FF5050"/>
-                </a:solidFill>
-                <a:latin typeface="Consolas" panose="020B0609020204030204" pitchFamily="49" charset="0"/>
-              </a:rPr>
-              <a:t>stats</a:t>
-            </a:r>
-            <a:r>
-              <a:rPr lang="en-US" sz="1333" dirty="0">
-                <a:solidFill>
-                  <a:schemeClr val="bg1"/>
-                </a:solidFill>
-                <a:latin typeface="Consolas" panose="020B0609020204030204" pitchFamily="49" charset="0"/>
-              </a:rPr>
-              <a:t> = </a:t>
-            </a:r>
-            <a:r>
-              <a:rPr lang="en-US" sz="1333" dirty="0" err="1">
-                <a:solidFill>
-                  <a:schemeClr val="bg1"/>
-                </a:solidFill>
-                <a:latin typeface="Consolas" panose="020B0609020204030204" pitchFamily="49" charset="0"/>
-              </a:rPr>
-              <a:t>orderDAO.getStats</a:t>
-            </a:r>
-            <a:r>
-              <a:rPr lang="en-US" sz="1333" dirty="0">
-                <a:solidFill>
-                  <a:schemeClr val="bg1"/>
-                </a:solidFill>
-                <a:latin typeface="Consolas" panose="020B0609020204030204" pitchFamily="49" charset="0"/>
-              </a:rPr>
-              <a:t>();</a:t>
-            </a:r>
-          </a:p>
-          <a:p>
-            <a:r>
-              <a:rPr lang="en-US" sz="1333" dirty="0">
-                <a:solidFill>
-                  <a:schemeClr val="bg1"/>
-                </a:solidFill>
-                <a:latin typeface="Consolas" panose="020B0609020204030204" pitchFamily="49" charset="0"/>
-              </a:rPr>
-              <a:t>        </a:t>
-            </a:r>
-            <a:r>
-              <a:rPr lang="en-US" sz="1333" dirty="0" err="1">
-                <a:solidFill>
-                  <a:schemeClr val="bg1"/>
-                </a:solidFill>
-                <a:latin typeface="Consolas" panose="020B0609020204030204" pitchFamily="49" charset="0"/>
-              </a:rPr>
-              <a:t>System.out.println</a:t>
-            </a:r>
-            <a:r>
-              <a:rPr lang="en-US" sz="1333" dirty="0" smtClean="0">
-                <a:solidFill>
-                  <a:schemeClr val="bg1"/>
-                </a:solidFill>
-                <a:latin typeface="Consolas" panose="020B0609020204030204" pitchFamily="49" charset="0"/>
-              </a:rPr>
-              <a:t>(</a:t>
-            </a:r>
-            <a:r>
-              <a:rPr lang="en-US" sz="1333" dirty="0" smtClean="0">
-                <a:solidFill>
-                  <a:srgbClr val="ABE338"/>
-                </a:solidFill>
-                <a:latin typeface="Consolas" panose="020B0609020204030204" pitchFamily="49" charset="0"/>
-              </a:rPr>
-              <a:t>"</a:t>
-            </a:r>
-            <a:r>
-              <a:rPr lang="ru-RU" sz="1333" dirty="0" smtClean="0">
-                <a:solidFill>
-                  <a:srgbClr val="ABE338"/>
-                </a:solidFill>
-                <a:latin typeface="Consolas" panose="020B0609020204030204" pitchFamily="49" charset="0"/>
-              </a:rPr>
-              <a:t>Всего </a:t>
-            </a:r>
-            <a:r>
-              <a:rPr lang="ru-RU" sz="1333" dirty="0">
-                <a:solidFill>
-                  <a:srgbClr val="ABE338"/>
-                </a:solidFill>
-                <a:latin typeface="Consolas" panose="020B0609020204030204" pitchFamily="49" charset="0"/>
-              </a:rPr>
-              <a:t>заказов: "</a:t>
-            </a:r>
-            <a:r>
-              <a:rPr lang="ru-RU" sz="1333" dirty="0">
-                <a:solidFill>
-                  <a:schemeClr val="bg1"/>
-                </a:solidFill>
-                <a:latin typeface="Consolas" panose="020B0609020204030204" pitchFamily="49" charset="0"/>
-              </a:rPr>
-              <a:t> + </a:t>
-            </a:r>
-            <a:r>
-              <a:rPr lang="en-US" sz="1333" dirty="0" err="1">
-                <a:solidFill>
-                  <a:schemeClr val="bg1"/>
-                </a:solidFill>
-                <a:latin typeface="Consolas" panose="020B0609020204030204" pitchFamily="49" charset="0"/>
-              </a:rPr>
-              <a:t>stats.totalOrders</a:t>
-            </a:r>
-            <a:r>
-              <a:rPr lang="en-US" sz="1333" dirty="0">
-                <a:solidFill>
-                  <a:schemeClr val="bg1"/>
-                </a:solidFill>
-                <a:latin typeface="Consolas" panose="020B0609020204030204" pitchFamily="49" charset="0"/>
-              </a:rPr>
-              <a:t>);</a:t>
-            </a:r>
-          </a:p>
-          <a:p>
-            <a:r>
-              <a:rPr lang="en-US" sz="1333" dirty="0">
-                <a:solidFill>
-                  <a:schemeClr val="bg1"/>
-                </a:solidFill>
-                <a:latin typeface="Consolas" panose="020B0609020204030204" pitchFamily="49" charset="0"/>
-              </a:rPr>
-              <a:t>        </a:t>
-            </a:r>
-            <a:r>
-              <a:rPr lang="en-US" sz="1333" dirty="0" err="1">
-                <a:solidFill>
-                  <a:schemeClr val="bg1"/>
-                </a:solidFill>
-                <a:latin typeface="Consolas" panose="020B0609020204030204" pitchFamily="49" charset="0"/>
-              </a:rPr>
-              <a:t>System.out.println</a:t>
-            </a:r>
-            <a:r>
-              <a:rPr lang="en-US" sz="1333" dirty="0" smtClean="0">
-                <a:solidFill>
-                  <a:schemeClr val="bg1"/>
-                </a:solidFill>
-                <a:latin typeface="Consolas" panose="020B0609020204030204" pitchFamily="49" charset="0"/>
-              </a:rPr>
-              <a:t>(</a:t>
-            </a:r>
-            <a:r>
-              <a:rPr lang="en-US" sz="1333" dirty="0" smtClean="0">
-                <a:solidFill>
-                  <a:srgbClr val="ABE338"/>
-                </a:solidFill>
-                <a:latin typeface="Consolas" panose="020B0609020204030204" pitchFamily="49" charset="0"/>
-              </a:rPr>
-              <a:t>"</a:t>
-            </a:r>
-            <a:r>
-              <a:rPr lang="ru-RU" sz="1333" dirty="0" smtClean="0">
-                <a:solidFill>
-                  <a:srgbClr val="ABE338"/>
-                </a:solidFill>
-                <a:latin typeface="Consolas" panose="020B0609020204030204" pitchFamily="49" charset="0"/>
-              </a:rPr>
-              <a:t>Выручка</a:t>
-            </a:r>
-            <a:r>
-              <a:rPr lang="ru-RU" sz="1333" dirty="0">
-                <a:solidFill>
-                  <a:srgbClr val="ABE338"/>
-                </a:solidFill>
-                <a:latin typeface="Consolas" panose="020B0609020204030204" pitchFamily="49" charset="0"/>
-              </a:rPr>
-              <a:t>: "</a:t>
-            </a:r>
-            <a:r>
-              <a:rPr lang="ru-RU" sz="1333" dirty="0">
-                <a:solidFill>
-                  <a:schemeClr val="bg1"/>
-                </a:solidFill>
-                <a:latin typeface="Consolas" panose="020B0609020204030204" pitchFamily="49" charset="0"/>
-              </a:rPr>
-              <a:t> + </a:t>
-            </a:r>
-            <a:r>
-              <a:rPr lang="en-US" sz="1333" dirty="0" err="1">
-                <a:solidFill>
-                  <a:schemeClr val="bg1"/>
-                </a:solidFill>
-                <a:latin typeface="Consolas" panose="020B0609020204030204" pitchFamily="49" charset="0"/>
-              </a:rPr>
-              <a:t>stats.totalRevenue</a:t>
-            </a:r>
-            <a:r>
-              <a:rPr lang="en-US" sz="1333" dirty="0">
-                <a:solidFill>
-                  <a:schemeClr val="bg1"/>
-                </a:solidFill>
-                <a:latin typeface="Consolas" panose="020B0609020204030204" pitchFamily="49" charset="0"/>
-              </a:rPr>
-              <a:t>);</a:t>
-            </a:r>
-          </a:p>
-          <a:p>
-            <a:r>
-              <a:rPr lang="en-US" sz="1333" dirty="0">
-                <a:solidFill>
-                  <a:schemeClr val="bg1"/>
-                </a:solidFill>
-                <a:latin typeface="Consolas" panose="020B0609020204030204" pitchFamily="49" charset="0"/>
-              </a:rPr>
-              <a:t>        </a:t>
-            </a:r>
-          </a:p>
-          <a:p>
-            <a:r>
-              <a:rPr lang="en-US" sz="1333" dirty="0">
-                <a:solidFill>
-                  <a:schemeClr val="bg1"/>
-                </a:solidFill>
-                <a:latin typeface="Consolas" panose="020B0609020204030204" pitchFamily="49" charset="0"/>
-              </a:rPr>
-              <a:t>        </a:t>
-            </a:r>
-            <a:r>
-              <a:rPr lang="en-US" sz="1333" dirty="0">
-                <a:solidFill>
-                  <a:srgbClr val="F3E9C7"/>
-                </a:solidFill>
-                <a:latin typeface="Consolas" panose="020B0609020204030204" pitchFamily="49" charset="0"/>
-              </a:rPr>
-              <a:t>// DELETE — </a:t>
-            </a:r>
-            <a:r>
-              <a:rPr lang="ru-RU" sz="1333" dirty="0">
-                <a:solidFill>
-                  <a:srgbClr val="F3E9C7"/>
-                </a:solidFill>
-                <a:latin typeface="Consolas" panose="020B0609020204030204" pitchFamily="49" charset="0"/>
-              </a:rPr>
-              <a:t>удаляем заказ</a:t>
-            </a:r>
-          </a:p>
-          <a:p>
-            <a:r>
-              <a:rPr lang="ru-RU" sz="1333" dirty="0">
-                <a:solidFill>
-                  <a:schemeClr val="bg1"/>
-                </a:solidFill>
-                <a:latin typeface="Consolas" panose="020B0609020204030204" pitchFamily="49" charset="0"/>
-              </a:rPr>
-              <a:t>        </a:t>
-            </a:r>
-            <a:r>
-              <a:rPr lang="en-US" sz="1333" dirty="0" err="1">
-                <a:solidFill>
-                  <a:schemeClr val="bg1"/>
-                </a:solidFill>
-                <a:latin typeface="Consolas" panose="020B0609020204030204" pitchFamily="49" charset="0"/>
-              </a:rPr>
-              <a:t>orderDAO.delete</a:t>
-            </a:r>
-            <a:r>
-              <a:rPr lang="en-US" sz="1333" dirty="0">
-                <a:solidFill>
-                  <a:schemeClr val="bg1"/>
-                </a:solidFill>
-                <a:latin typeface="Consolas" panose="020B0609020204030204" pitchFamily="49" charset="0"/>
-              </a:rPr>
-              <a:t>(</a:t>
-            </a:r>
-            <a:r>
-              <a:rPr lang="en-US" sz="1333" dirty="0" err="1">
-                <a:solidFill>
-                  <a:schemeClr val="bg1"/>
-                </a:solidFill>
-                <a:latin typeface="Consolas" panose="020B0609020204030204" pitchFamily="49" charset="0"/>
-              </a:rPr>
-              <a:t>orderId</a:t>
-            </a:r>
-            <a:r>
-              <a:rPr lang="en-US" sz="1333" dirty="0">
-                <a:solidFill>
-                  <a:schemeClr val="bg1"/>
-                </a:solidFill>
-                <a:latin typeface="Consolas" panose="020B0609020204030204" pitchFamily="49" charset="0"/>
-              </a:rPr>
-              <a:t>);</a:t>
-            </a:r>
-          </a:p>
-          <a:p>
-            <a:r>
-              <a:rPr lang="en-US" sz="1333" dirty="0">
-                <a:solidFill>
-                  <a:schemeClr val="bg1"/>
-                </a:solidFill>
-                <a:latin typeface="Consolas" panose="020B0609020204030204" pitchFamily="49" charset="0"/>
-              </a:rPr>
-              <a:t>        </a:t>
-            </a:r>
-            <a:r>
-              <a:rPr lang="en-US" sz="1333" dirty="0" err="1">
-                <a:solidFill>
-                  <a:schemeClr val="bg1"/>
-                </a:solidFill>
-                <a:latin typeface="Consolas" panose="020B0609020204030204" pitchFamily="49" charset="0"/>
-              </a:rPr>
-              <a:t>System.out.println</a:t>
-            </a:r>
-            <a:r>
-              <a:rPr lang="en-US" sz="1333" dirty="0" smtClean="0">
-                <a:solidFill>
-                  <a:schemeClr val="bg1"/>
-                </a:solidFill>
-                <a:latin typeface="Consolas" panose="020B0609020204030204" pitchFamily="49" charset="0"/>
-              </a:rPr>
-              <a:t>(</a:t>
-            </a:r>
-            <a:r>
-              <a:rPr lang="en-US" sz="1333" dirty="0" smtClean="0">
-                <a:solidFill>
-                  <a:srgbClr val="ABE338"/>
-                </a:solidFill>
-                <a:latin typeface="Consolas" panose="020B0609020204030204" pitchFamily="49" charset="0"/>
-              </a:rPr>
-              <a:t>"</a:t>
-            </a:r>
-            <a:r>
-              <a:rPr lang="ru-RU" sz="1333" dirty="0" smtClean="0">
-                <a:solidFill>
-                  <a:srgbClr val="ABE338"/>
-                </a:solidFill>
-                <a:latin typeface="Consolas" panose="020B0609020204030204" pitchFamily="49" charset="0"/>
-              </a:rPr>
-              <a:t>Заказ </a:t>
-            </a:r>
-            <a:r>
-              <a:rPr lang="ru-RU" sz="1333" dirty="0">
-                <a:solidFill>
-                  <a:srgbClr val="ABE338"/>
-                </a:solidFill>
-                <a:latin typeface="Consolas" panose="020B0609020204030204" pitchFamily="49" charset="0"/>
-              </a:rPr>
-              <a:t>удален"</a:t>
-            </a:r>
-            <a:r>
-              <a:rPr lang="ru-RU" sz="1333" dirty="0">
-                <a:solidFill>
-                  <a:schemeClr val="bg1"/>
-                </a:solidFill>
-                <a:latin typeface="Consolas" panose="020B0609020204030204" pitchFamily="49" charset="0"/>
-              </a:rPr>
-              <a:t>);</a:t>
-            </a:r>
-          </a:p>
-          <a:p>
-            <a:r>
-              <a:rPr lang="ru-RU" sz="1333" dirty="0">
-                <a:solidFill>
-                  <a:schemeClr val="bg1"/>
-                </a:solidFill>
-                <a:latin typeface="Consolas" panose="020B0609020204030204" pitchFamily="49" charset="0"/>
-              </a:rPr>
-              <a:t>        </a:t>
-            </a:r>
-          </a:p>
-          <a:p>
-            <a:r>
-              <a:rPr lang="ru-RU" sz="1333" dirty="0">
-                <a:solidFill>
-                  <a:schemeClr val="bg1"/>
-                </a:solidFill>
-                <a:latin typeface="Consolas" panose="020B0609020204030204" pitchFamily="49" charset="0"/>
-              </a:rPr>
-              <a:t>    } </a:t>
-            </a:r>
-            <a:r>
-              <a:rPr lang="en-US" sz="1333" dirty="0" smtClean="0">
-                <a:solidFill>
-                  <a:srgbClr val="D47DFF"/>
-                </a:solidFill>
-                <a:latin typeface="Consolas" panose="020B0609020204030204" pitchFamily="49" charset="0"/>
-              </a:rPr>
-              <a:t>finally</a:t>
-            </a:r>
-            <a:r>
-              <a:rPr lang="en-US" sz="1333" dirty="0" smtClean="0">
-                <a:solidFill>
-                  <a:schemeClr val="bg1"/>
-                </a:solidFill>
-                <a:latin typeface="Consolas" panose="020B0609020204030204" pitchFamily="49" charset="0"/>
-              </a:rPr>
-              <a:t> </a:t>
-            </a:r>
-            <a:r>
-              <a:rPr lang="en-US" sz="1333" dirty="0" smtClean="0">
-                <a:solidFill>
-                  <a:schemeClr val="bg1"/>
-                </a:solidFill>
-                <a:latin typeface="Consolas" panose="020B0609020204030204" pitchFamily="49" charset="0"/>
-              </a:rPr>
-              <a:t>{</a:t>
+                  <a:schemeClr val="bg1"/>
+                </a:solidFill>
+                <a:latin typeface="Consolas" panose="020B0609020204030204" pitchFamily="49" charset="0"/>
+              </a:rPr>
+              <a:t> {</a:t>
             </a:r>
             <a:endParaRPr lang="en-US" sz="1333" dirty="0">
               <a:solidFill>
@@ -19457,13 +19173,7 @@
               <a:rPr lang="ru-RU" sz="1583" dirty="0" smtClean="0">
                 <a:latin typeface="Corbel" panose="020B0503020204020204" pitchFamily="34" charset="0"/>
               </a:rPr>
-              <a:t>Предположим, пользователь </a:t>
-            </a:r>
-            <a:r>
-              <a:rPr lang="ru-RU" sz="1583" dirty="0" smtClean="0">
-                <a:latin typeface="Corbel" panose="020B0503020204020204" pitchFamily="34" charset="0"/>
-              </a:rPr>
-              <a:t>вводит </a:t>
+              <a:t>Предположим, пользователь вводит </a:t>
             </a:r>
             <a:r>
               <a:rPr lang="ru-RU" sz="1583" dirty="0">
@@ -22113,16 +21823,7 @@
                 </a:solidFill>
                 <a:latin typeface="Corbel" panose="020B0503020204020204" pitchFamily="34" charset="0"/>
               </a:rPr>
-              <a:t>п</a:t>
-            </a:r>
-            <a:r>
-              <a:rPr lang="ru-RU" sz="1500" dirty="0" smtClean="0">
-                <a:solidFill>
-                  <a:srgbClr val="FF0000"/>
-                </a:solidFill>
-                <a:latin typeface="Corbel" panose="020B0503020204020204" pitchFamily="34" charset="0"/>
-              </a:rPr>
-              <a:t>роблемы</a:t>
+              <a:t>проблемы</a:t>
             </a:r>
             <a:r>
               <a:rPr lang="ru-RU" sz="1500" dirty="0">
